--- a/img/Evaluation-Zeros-Wondershaper.pptx
+++ b/img/Evaluation-Zeros-Wondershaper.pptx
@@ -104,6 +104,11 @@
       </a:defRPr>
     </a:lvl9pPr>
   </p:defaultTextStyle>
+  <p:extLst>
+    <p:ext uri="{EFAFB233-063F-42B5-8137-9DF3F51BA10A}">
+      <p15:sldGuideLst xmlns:p15="http://schemas.microsoft.com/office/powerpoint/2012/main"/>
+    </p:ext>
+  </p:extLst>
 </p:presentation>
 </file>
 
@@ -658,9 +663,14 @@
                   </a:defRPr>
                 </a:pPr>
                 <a:r>
+                  <a:rPr lang="de-CH" sz="1600" dirty="0"/>
+                  <a:t>Buffer </a:t>
+                </a:r>
+                <a:r>
                   <a:rPr lang="de-CH" sz="1600"/>
-                  <a:t>Buffer Size [KB]</a:t>
+                  <a:t>Size [Bytes]</a:t>
                 </a:r>
+                <a:endParaRPr lang="de-CH" sz="1600" dirty="0"/>
               </a:p>
             </c:rich>
           </c:tx>
@@ -1612,7 +1622,7 @@
           <a:p>
             <a:fld id="{052ABF81-54C2-483B-B5A2-14281B587293}" type="datetimeFigureOut">
               <a:rPr lang="en-US" smtClean="0"/>
-              <a:t>6/16/2019</a:t>
+              <a:t>7/1/2019</a:t>
             </a:fld>
             <a:endParaRPr lang="en-US"/>
           </a:p>
@@ -1812,7 +1822,7 @@
           <a:p>
             <a:fld id="{052ABF81-54C2-483B-B5A2-14281B587293}" type="datetimeFigureOut">
               <a:rPr lang="en-US" smtClean="0"/>
-              <a:t>6/16/2019</a:t>
+              <a:t>7/1/2019</a:t>
             </a:fld>
             <a:endParaRPr lang="en-US"/>
           </a:p>
@@ -2022,7 +2032,7 @@
           <a:p>
             <a:fld id="{052ABF81-54C2-483B-B5A2-14281B587293}" type="datetimeFigureOut">
               <a:rPr lang="en-US" smtClean="0"/>
-              <a:t>6/16/2019</a:t>
+              <a:t>7/1/2019</a:t>
             </a:fld>
             <a:endParaRPr lang="en-US"/>
           </a:p>
@@ -2222,7 +2232,7 @@
           <a:p>
             <a:fld id="{052ABF81-54C2-483B-B5A2-14281B587293}" type="datetimeFigureOut">
               <a:rPr lang="en-US" smtClean="0"/>
-              <a:t>6/16/2019</a:t>
+              <a:t>7/1/2019</a:t>
             </a:fld>
             <a:endParaRPr lang="en-US"/>
           </a:p>
@@ -2498,7 +2508,7 @@
           <a:p>
             <a:fld id="{052ABF81-54C2-483B-B5A2-14281B587293}" type="datetimeFigureOut">
               <a:rPr lang="en-US" smtClean="0"/>
-              <a:t>6/16/2019</a:t>
+              <a:t>7/1/2019</a:t>
             </a:fld>
             <a:endParaRPr lang="en-US"/>
           </a:p>
@@ -2766,7 +2776,7 @@
           <a:p>
             <a:fld id="{052ABF81-54C2-483B-B5A2-14281B587293}" type="datetimeFigureOut">
               <a:rPr lang="en-US" smtClean="0"/>
-              <a:t>6/16/2019</a:t>
+              <a:t>7/1/2019</a:t>
             </a:fld>
             <a:endParaRPr lang="en-US"/>
           </a:p>
@@ -3181,7 +3191,7 @@
           <a:p>
             <a:fld id="{052ABF81-54C2-483B-B5A2-14281B587293}" type="datetimeFigureOut">
               <a:rPr lang="en-US" smtClean="0"/>
-              <a:t>6/16/2019</a:t>
+              <a:t>7/1/2019</a:t>
             </a:fld>
             <a:endParaRPr lang="en-US"/>
           </a:p>
@@ -3323,7 +3333,7 @@
           <a:p>
             <a:fld id="{052ABF81-54C2-483B-B5A2-14281B587293}" type="datetimeFigureOut">
               <a:rPr lang="en-US" smtClean="0"/>
-              <a:t>6/16/2019</a:t>
+              <a:t>7/1/2019</a:t>
             </a:fld>
             <a:endParaRPr lang="en-US"/>
           </a:p>
@@ -3436,7 +3446,7 @@
           <a:p>
             <a:fld id="{052ABF81-54C2-483B-B5A2-14281B587293}" type="datetimeFigureOut">
               <a:rPr lang="en-US" smtClean="0"/>
-              <a:t>6/16/2019</a:t>
+              <a:t>7/1/2019</a:t>
             </a:fld>
             <a:endParaRPr lang="en-US"/>
           </a:p>
@@ -3749,7 +3759,7 @@
           <a:p>
             <a:fld id="{052ABF81-54C2-483B-B5A2-14281B587293}" type="datetimeFigureOut">
               <a:rPr lang="en-US" smtClean="0"/>
-              <a:t>6/16/2019</a:t>
+              <a:t>7/1/2019</a:t>
             </a:fld>
             <a:endParaRPr lang="en-US"/>
           </a:p>
@@ -4038,7 +4048,7 @@
           <a:p>
             <a:fld id="{052ABF81-54C2-483B-B5A2-14281B587293}" type="datetimeFigureOut">
               <a:rPr lang="en-US" smtClean="0"/>
-              <a:t>6/16/2019</a:t>
+              <a:t>7/1/2019</a:t>
             </a:fld>
             <a:endParaRPr lang="en-US"/>
           </a:p>
@@ -4281,7 +4291,7 @@
           <a:p>
             <a:fld id="{052ABF81-54C2-483B-B5A2-14281B587293}" type="datetimeFigureOut">
               <a:rPr lang="en-US" smtClean="0"/>
-              <a:t>6/16/2019</a:t>
+              <a:t>7/1/2019</a:t>
             </a:fld>
             <a:endParaRPr lang="en-US"/>
           </a:p>
@@ -4713,7 +4723,7 @@
           <p:nvPr>
             <p:extLst>
               <p:ext uri="{D42A27DB-BD31-4B8C-83A1-F6EECF244321}">
-                <p14:modId xmlns:p14="http://schemas.microsoft.com/office/powerpoint/2010/main" val="1920945248"/>
+                <p14:modId xmlns:p14="http://schemas.microsoft.com/office/powerpoint/2010/main" val="1939969845"/>
               </p:ext>
             </p:extLst>
           </p:nvPr>

--- a/img/Evaluation-Zeros-Wondershaper.pptx
+++ b/img/Evaluation-Zeros-Wondershaper.pptx
@@ -663,14 +663,13 @@
                   </a:defRPr>
                 </a:pPr>
                 <a:r>
-                  <a:rPr lang="de-CH" sz="1600" dirty="0"/>
-                  <a:t>Buffer </a:t>
+                  <a:rPr lang="de-CH" sz="1600"/>
+                  <a:t>Datagram </a:t>
                 </a:r>
                 <a:r>
-                  <a:rPr lang="de-CH" sz="1600"/>
+                  <a:rPr lang="de-CH" sz="1600" dirty="0"/>
                   <a:t>Size [Bytes]</a:t>
                 </a:r>
-                <a:endParaRPr lang="de-CH" sz="1600" dirty="0"/>
               </a:p>
             </c:rich>
           </c:tx>
@@ -1622,7 +1621,7 @@
           <a:p>
             <a:fld id="{052ABF81-54C2-483B-B5A2-14281B587293}" type="datetimeFigureOut">
               <a:rPr lang="en-US" smtClean="0"/>
-              <a:t>7/1/2019</a:t>
+              <a:t>7/16/2019</a:t>
             </a:fld>
             <a:endParaRPr lang="en-US"/>
           </a:p>
@@ -1822,7 +1821,7 @@
           <a:p>
             <a:fld id="{052ABF81-54C2-483B-B5A2-14281B587293}" type="datetimeFigureOut">
               <a:rPr lang="en-US" smtClean="0"/>
-              <a:t>7/1/2019</a:t>
+              <a:t>7/16/2019</a:t>
             </a:fld>
             <a:endParaRPr lang="en-US"/>
           </a:p>
@@ -2032,7 +2031,7 @@
           <a:p>
             <a:fld id="{052ABF81-54C2-483B-B5A2-14281B587293}" type="datetimeFigureOut">
               <a:rPr lang="en-US" smtClean="0"/>
-              <a:t>7/1/2019</a:t>
+              <a:t>7/16/2019</a:t>
             </a:fld>
             <a:endParaRPr lang="en-US"/>
           </a:p>
@@ -2232,7 +2231,7 @@
           <a:p>
             <a:fld id="{052ABF81-54C2-483B-B5A2-14281B587293}" type="datetimeFigureOut">
               <a:rPr lang="en-US" smtClean="0"/>
-              <a:t>7/1/2019</a:t>
+              <a:t>7/16/2019</a:t>
             </a:fld>
             <a:endParaRPr lang="en-US"/>
           </a:p>
@@ -2508,7 +2507,7 @@
           <a:p>
             <a:fld id="{052ABF81-54C2-483B-B5A2-14281B587293}" type="datetimeFigureOut">
               <a:rPr lang="en-US" smtClean="0"/>
-              <a:t>7/1/2019</a:t>
+              <a:t>7/16/2019</a:t>
             </a:fld>
             <a:endParaRPr lang="en-US"/>
           </a:p>
@@ -2776,7 +2775,7 @@
           <a:p>
             <a:fld id="{052ABF81-54C2-483B-B5A2-14281B587293}" type="datetimeFigureOut">
               <a:rPr lang="en-US" smtClean="0"/>
-              <a:t>7/1/2019</a:t>
+              <a:t>7/16/2019</a:t>
             </a:fld>
             <a:endParaRPr lang="en-US"/>
           </a:p>
@@ -3191,7 +3190,7 @@
           <a:p>
             <a:fld id="{052ABF81-54C2-483B-B5A2-14281B587293}" type="datetimeFigureOut">
               <a:rPr lang="en-US" smtClean="0"/>
-              <a:t>7/1/2019</a:t>
+              <a:t>7/16/2019</a:t>
             </a:fld>
             <a:endParaRPr lang="en-US"/>
           </a:p>
@@ -3333,7 +3332,7 @@
           <a:p>
             <a:fld id="{052ABF81-54C2-483B-B5A2-14281B587293}" type="datetimeFigureOut">
               <a:rPr lang="en-US" smtClean="0"/>
-              <a:t>7/1/2019</a:t>
+              <a:t>7/16/2019</a:t>
             </a:fld>
             <a:endParaRPr lang="en-US"/>
           </a:p>
@@ -3446,7 +3445,7 @@
           <a:p>
             <a:fld id="{052ABF81-54C2-483B-B5A2-14281B587293}" type="datetimeFigureOut">
               <a:rPr lang="en-US" smtClean="0"/>
-              <a:t>7/1/2019</a:t>
+              <a:t>7/16/2019</a:t>
             </a:fld>
             <a:endParaRPr lang="en-US"/>
           </a:p>
@@ -3759,7 +3758,7 @@
           <a:p>
             <a:fld id="{052ABF81-54C2-483B-B5A2-14281B587293}" type="datetimeFigureOut">
               <a:rPr lang="en-US" smtClean="0"/>
-              <a:t>7/1/2019</a:t>
+              <a:t>7/16/2019</a:t>
             </a:fld>
             <a:endParaRPr lang="en-US"/>
           </a:p>
@@ -4048,7 +4047,7 @@
           <a:p>
             <a:fld id="{052ABF81-54C2-483B-B5A2-14281B587293}" type="datetimeFigureOut">
               <a:rPr lang="en-US" smtClean="0"/>
-              <a:t>7/1/2019</a:t>
+              <a:t>7/16/2019</a:t>
             </a:fld>
             <a:endParaRPr lang="en-US"/>
           </a:p>
@@ -4291,7 +4290,7 @@
           <a:p>
             <a:fld id="{052ABF81-54C2-483B-B5A2-14281B587293}" type="datetimeFigureOut">
               <a:rPr lang="en-US" smtClean="0"/>
-              <a:t>7/1/2019</a:t>
+              <a:t>7/16/2019</a:t>
             </a:fld>
             <a:endParaRPr lang="en-US"/>
           </a:p>
@@ -4723,7 +4722,7 @@
           <p:nvPr>
             <p:extLst>
               <p:ext uri="{D42A27DB-BD31-4B8C-83A1-F6EECF244321}">
-                <p14:modId xmlns:p14="http://schemas.microsoft.com/office/powerpoint/2010/main" val="1939969845"/>
+                <p14:modId xmlns:p14="http://schemas.microsoft.com/office/powerpoint/2010/main" val="946945832"/>
               </p:ext>
             </p:extLst>
           </p:nvPr>
